--- a/ppt 16-9/1014.天恩歌.pptx
+++ b/ppt 16-9/1014.天恩歌.pptx
@@ -129,7 +129,7 @@
           <p:cNvPr id="2" name="标题 1">
             <a:extLst>
               <a:ext uri="{FF2B5EF4-FFF2-40B4-BE49-F238E27FC236}">
-                <a16:creationId xmlns:a16="http://schemas.microsoft.com/office/drawing/2014/main" id="{4F706F15-FB1D-E984-8E87-DD4048973237}"/>
+                <a16:creationId xmlns:a16="http://schemas.microsoft.com/office/drawing/2014/main" id="{540D7E16-BB60-EBC6-215F-A2A109015D86}"/>
               </a:ext>
             </a:extLst>
           </p:cNvPr>
@@ -166,7 +166,7 @@
           <p:cNvPr id="3" name="副标题 2">
             <a:extLst>
               <a:ext uri="{FF2B5EF4-FFF2-40B4-BE49-F238E27FC236}">
-                <a16:creationId xmlns:a16="http://schemas.microsoft.com/office/drawing/2014/main" id="{A2408052-8B67-1BFC-C7C2-B1C0DD492737}"/>
+                <a16:creationId xmlns:a16="http://schemas.microsoft.com/office/drawing/2014/main" id="{3ACA776F-8677-4272-0576-46497F17B3E3}"/>
               </a:ext>
             </a:extLst>
           </p:cNvPr>
@@ -236,7 +236,7 @@
           <p:cNvPr id="4" name="日期占位符 3">
             <a:extLst>
               <a:ext uri="{FF2B5EF4-FFF2-40B4-BE49-F238E27FC236}">
-                <a16:creationId xmlns:a16="http://schemas.microsoft.com/office/drawing/2014/main" id="{D4C6E335-6665-9486-7989-A79D3A95856F}"/>
+                <a16:creationId xmlns:a16="http://schemas.microsoft.com/office/drawing/2014/main" id="{9E7E32EC-F69C-90F0-37D9-63E66D57808D}"/>
               </a:ext>
             </a:extLst>
           </p:cNvPr>
@@ -252,7 +252,7 @@
           <a:bodyPr/>
           <a:lstStyle/>
           <a:p>
-            <a:fld id="{74E880BC-8ECD-43BF-A39A-6DB258AB8EF0}" type="datetimeFigureOut">
+            <a:fld id="{FC6D6D5F-6909-4D18-8D91-C0B34F1A98AC}" type="datetimeFigureOut">
               <a:rPr lang="zh-CN" altLang="en-US" smtClean="0"/>
               <a:t>2024/3/10</a:t>
             </a:fld>
@@ -265,7 +265,7 @@
           <p:cNvPr id="5" name="页脚占位符 4">
             <a:extLst>
               <a:ext uri="{FF2B5EF4-FFF2-40B4-BE49-F238E27FC236}">
-                <a16:creationId xmlns:a16="http://schemas.microsoft.com/office/drawing/2014/main" id="{5AB7A994-53AE-5FD9-859E-D49613572812}"/>
+                <a16:creationId xmlns:a16="http://schemas.microsoft.com/office/drawing/2014/main" id="{2FDE94E8-BEE6-6B02-82AC-8BB5E4ADD62A}"/>
               </a:ext>
             </a:extLst>
           </p:cNvPr>
@@ -290,7 +290,7 @@
           <p:cNvPr id="6" name="灯片编号占位符 5">
             <a:extLst>
               <a:ext uri="{FF2B5EF4-FFF2-40B4-BE49-F238E27FC236}">
-                <a16:creationId xmlns:a16="http://schemas.microsoft.com/office/drawing/2014/main" id="{7F2AB142-900F-01CF-0CF1-F0839F5DF42B}"/>
+                <a16:creationId xmlns:a16="http://schemas.microsoft.com/office/drawing/2014/main" id="{6A4DA97A-5E79-4546-4176-D99AEC9CC434}"/>
               </a:ext>
             </a:extLst>
           </p:cNvPr>
@@ -306,7 +306,7 @@
           <a:bodyPr/>
           <a:lstStyle/>
           <a:p>
-            <a:fld id="{6EF3F77B-832D-4F7D-81EB-128DA762BE13}" type="slidenum">
+            <a:fld id="{0CBDF171-81CD-4F4A-A449-81EA7F5EAF30}" type="slidenum">
               <a:rPr lang="zh-CN" altLang="en-US" smtClean="0"/>
               <a:t>‹#›</a:t>
             </a:fld>
@@ -317,7 +317,7 @@
     </p:spTree>
     <p:extLst>
       <p:ext uri="{BB962C8B-B14F-4D97-AF65-F5344CB8AC3E}">
-        <p14:creationId xmlns:p14="http://schemas.microsoft.com/office/powerpoint/2010/main" val="3290807590"/>
+        <p14:creationId xmlns:p14="http://schemas.microsoft.com/office/powerpoint/2010/main" val="2589597222"/>
       </p:ext>
     </p:extLst>
   </p:cSld>
@@ -349,7 +349,7 @@
           <p:cNvPr id="2" name="标题 1">
             <a:extLst>
               <a:ext uri="{FF2B5EF4-FFF2-40B4-BE49-F238E27FC236}">
-                <a16:creationId xmlns:a16="http://schemas.microsoft.com/office/drawing/2014/main" id="{696EF19F-64AB-D75B-E186-088E166BA0B5}"/>
+                <a16:creationId xmlns:a16="http://schemas.microsoft.com/office/drawing/2014/main" id="{FF517677-5171-7FCA-AA1F-4A6F9194EB35}"/>
               </a:ext>
             </a:extLst>
           </p:cNvPr>
@@ -377,7 +377,7 @@
           <p:cNvPr id="3" name="竖排文字占位符 2">
             <a:extLst>
               <a:ext uri="{FF2B5EF4-FFF2-40B4-BE49-F238E27FC236}">
-                <a16:creationId xmlns:a16="http://schemas.microsoft.com/office/drawing/2014/main" id="{A9FC913E-2BBB-5851-85B3-FC403C32D4F5}"/>
+                <a16:creationId xmlns:a16="http://schemas.microsoft.com/office/drawing/2014/main" id="{6CBAEB64-8449-849D-64A6-DDECA863B99A}"/>
               </a:ext>
             </a:extLst>
           </p:cNvPr>
@@ -434,7 +434,7 @@
           <p:cNvPr id="4" name="日期占位符 3">
             <a:extLst>
               <a:ext uri="{FF2B5EF4-FFF2-40B4-BE49-F238E27FC236}">
-                <a16:creationId xmlns:a16="http://schemas.microsoft.com/office/drawing/2014/main" id="{02E76FFA-7FEF-EEB3-FA23-F439C744A820}"/>
+                <a16:creationId xmlns:a16="http://schemas.microsoft.com/office/drawing/2014/main" id="{6F4F6ADE-4C14-9B08-AB77-3E2E9AF063FE}"/>
               </a:ext>
             </a:extLst>
           </p:cNvPr>
@@ -450,7 +450,7 @@
           <a:bodyPr/>
           <a:lstStyle/>
           <a:p>
-            <a:fld id="{74E880BC-8ECD-43BF-A39A-6DB258AB8EF0}" type="datetimeFigureOut">
+            <a:fld id="{FC6D6D5F-6909-4D18-8D91-C0B34F1A98AC}" type="datetimeFigureOut">
               <a:rPr lang="zh-CN" altLang="en-US" smtClean="0"/>
               <a:t>2024/3/10</a:t>
             </a:fld>
@@ -463,7 +463,7 @@
           <p:cNvPr id="5" name="页脚占位符 4">
             <a:extLst>
               <a:ext uri="{FF2B5EF4-FFF2-40B4-BE49-F238E27FC236}">
-                <a16:creationId xmlns:a16="http://schemas.microsoft.com/office/drawing/2014/main" id="{6D666E51-F643-5D3D-DF2F-F4B27D0FE18E}"/>
+                <a16:creationId xmlns:a16="http://schemas.microsoft.com/office/drawing/2014/main" id="{88A9BACA-67CD-ADFF-9916-FDB4A2FFEB29}"/>
               </a:ext>
             </a:extLst>
           </p:cNvPr>
@@ -488,7 +488,7 @@
           <p:cNvPr id="6" name="灯片编号占位符 5">
             <a:extLst>
               <a:ext uri="{FF2B5EF4-FFF2-40B4-BE49-F238E27FC236}">
-                <a16:creationId xmlns:a16="http://schemas.microsoft.com/office/drawing/2014/main" id="{5DADD11D-000B-1158-AC35-AF862B636604}"/>
+                <a16:creationId xmlns:a16="http://schemas.microsoft.com/office/drawing/2014/main" id="{86B0BB0C-EB69-E463-723F-044ECF6748A1}"/>
               </a:ext>
             </a:extLst>
           </p:cNvPr>
@@ -504,7 +504,7 @@
           <a:bodyPr/>
           <a:lstStyle/>
           <a:p>
-            <a:fld id="{6EF3F77B-832D-4F7D-81EB-128DA762BE13}" type="slidenum">
+            <a:fld id="{0CBDF171-81CD-4F4A-A449-81EA7F5EAF30}" type="slidenum">
               <a:rPr lang="zh-CN" altLang="en-US" smtClean="0"/>
               <a:t>‹#›</a:t>
             </a:fld>
@@ -515,7 +515,7 @@
     </p:spTree>
     <p:extLst>
       <p:ext uri="{BB962C8B-B14F-4D97-AF65-F5344CB8AC3E}">
-        <p14:creationId xmlns:p14="http://schemas.microsoft.com/office/powerpoint/2010/main" val="300147784"/>
+        <p14:creationId xmlns:p14="http://schemas.microsoft.com/office/powerpoint/2010/main" val="2676591778"/>
       </p:ext>
     </p:extLst>
   </p:cSld>
@@ -547,7 +547,7 @@
           <p:cNvPr id="2" name="竖排标题 1">
             <a:extLst>
               <a:ext uri="{FF2B5EF4-FFF2-40B4-BE49-F238E27FC236}">
-                <a16:creationId xmlns:a16="http://schemas.microsoft.com/office/drawing/2014/main" id="{5743CBDE-89B8-725C-D89B-604AD0BCEEA0}"/>
+                <a16:creationId xmlns:a16="http://schemas.microsoft.com/office/drawing/2014/main" id="{EA0E6E56-E91A-61C6-E00A-26BF5F31DFFD}"/>
               </a:ext>
             </a:extLst>
           </p:cNvPr>
@@ -580,7 +580,7 @@
           <p:cNvPr id="3" name="竖排文字占位符 2">
             <a:extLst>
               <a:ext uri="{FF2B5EF4-FFF2-40B4-BE49-F238E27FC236}">
-                <a16:creationId xmlns:a16="http://schemas.microsoft.com/office/drawing/2014/main" id="{73FCA60A-11FC-5365-A897-F20FCBC10D67}"/>
+                <a16:creationId xmlns:a16="http://schemas.microsoft.com/office/drawing/2014/main" id="{58C52ECB-F2B9-4CBC-FE80-E942E2A3BBF9}"/>
               </a:ext>
             </a:extLst>
           </p:cNvPr>
@@ -642,7 +642,7 @@
           <p:cNvPr id="4" name="日期占位符 3">
             <a:extLst>
               <a:ext uri="{FF2B5EF4-FFF2-40B4-BE49-F238E27FC236}">
-                <a16:creationId xmlns:a16="http://schemas.microsoft.com/office/drawing/2014/main" id="{BA0E24E4-1370-E825-9B00-228D536D70EF}"/>
+                <a16:creationId xmlns:a16="http://schemas.microsoft.com/office/drawing/2014/main" id="{65DDB06B-2BA3-4C34-8436-F66EB4BEF274}"/>
               </a:ext>
             </a:extLst>
           </p:cNvPr>
@@ -658,7 +658,7 @@
           <a:bodyPr/>
           <a:lstStyle/>
           <a:p>
-            <a:fld id="{74E880BC-8ECD-43BF-A39A-6DB258AB8EF0}" type="datetimeFigureOut">
+            <a:fld id="{FC6D6D5F-6909-4D18-8D91-C0B34F1A98AC}" type="datetimeFigureOut">
               <a:rPr lang="zh-CN" altLang="en-US" smtClean="0"/>
               <a:t>2024/3/10</a:t>
             </a:fld>
@@ -671,7 +671,7 @@
           <p:cNvPr id="5" name="页脚占位符 4">
             <a:extLst>
               <a:ext uri="{FF2B5EF4-FFF2-40B4-BE49-F238E27FC236}">
-                <a16:creationId xmlns:a16="http://schemas.microsoft.com/office/drawing/2014/main" id="{2691E392-F2C1-B223-99C4-280E32F04CFE}"/>
+                <a16:creationId xmlns:a16="http://schemas.microsoft.com/office/drawing/2014/main" id="{DE7F5181-C718-BA05-AFA3-C7B2558F5964}"/>
               </a:ext>
             </a:extLst>
           </p:cNvPr>
@@ -696,7 +696,7 @@
           <p:cNvPr id="6" name="灯片编号占位符 5">
             <a:extLst>
               <a:ext uri="{FF2B5EF4-FFF2-40B4-BE49-F238E27FC236}">
-                <a16:creationId xmlns:a16="http://schemas.microsoft.com/office/drawing/2014/main" id="{5750ED7F-3CAD-CA0E-3BBD-F3B9F5450363}"/>
+                <a16:creationId xmlns:a16="http://schemas.microsoft.com/office/drawing/2014/main" id="{9EA1028F-E110-6072-72D9-89EA39CD65C6}"/>
               </a:ext>
             </a:extLst>
           </p:cNvPr>
@@ -712,7 +712,7 @@
           <a:bodyPr/>
           <a:lstStyle/>
           <a:p>
-            <a:fld id="{6EF3F77B-832D-4F7D-81EB-128DA762BE13}" type="slidenum">
+            <a:fld id="{0CBDF171-81CD-4F4A-A449-81EA7F5EAF30}" type="slidenum">
               <a:rPr lang="zh-CN" altLang="en-US" smtClean="0"/>
               <a:t>‹#›</a:t>
             </a:fld>
@@ -723,7 +723,7 @@
     </p:spTree>
     <p:extLst>
       <p:ext uri="{BB962C8B-B14F-4D97-AF65-F5344CB8AC3E}">
-        <p14:creationId xmlns:p14="http://schemas.microsoft.com/office/powerpoint/2010/main" val="280150510"/>
+        <p14:creationId xmlns:p14="http://schemas.microsoft.com/office/powerpoint/2010/main" val="1793167860"/>
       </p:ext>
     </p:extLst>
   </p:cSld>
@@ -755,7 +755,7 @@
           <p:cNvPr id="2" name="标题 1">
             <a:extLst>
               <a:ext uri="{FF2B5EF4-FFF2-40B4-BE49-F238E27FC236}">
-                <a16:creationId xmlns:a16="http://schemas.microsoft.com/office/drawing/2014/main" id="{25343E4F-0830-E665-5F5C-E6D0DBC85745}"/>
+                <a16:creationId xmlns:a16="http://schemas.microsoft.com/office/drawing/2014/main" id="{746CCED5-438F-8B4C-58CE-E91FA6D6530A}"/>
               </a:ext>
             </a:extLst>
           </p:cNvPr>
@@ -783,7 +783,7 @@
           <p:cNvPr id="3" name="内容占位符 2">
             <a:extLst>
               <a:ext uri="{FF2B5EF4-FFF2-40B4-BE49-F238E27FC236}">
-                <a16:creationId xmlns:a16="http://schemas.microsoft.com/office/drawing/2014/main" id="{691BFB39-D6B5-DE3E-2A8B-7CA7627DB404}"/>
+                <a16:creationId xmlns:a16="http://schemas.microsoft.com/office/drawing/2014/main" id="{C07E9B1C-B886-1E9B-B3BD-177DF8976B26}"/>
               </a:ext>
             </a:extLst>
           </p:cNvPr>
@@ -840,7 +840,7 @@
           <p:cNvPr id="4" name="日期占位符 3">
             <a:extLst>
               <a:ext uri="{FF2B5EF4-FFF2-40B4-BE49-F238E27FC236}">
-                <a16:creationId xmlns:a16="http://schemas.microsoft.com/office/drawing/2014/main" id="{08378B6C-C50A-1F7C-4A4F-957F0F701BE3}"/>
+                <a16:creationId xmlns:a16="http://schemas.microsoft.com/office/drawing/2014/main" id="{E1CF65B6-741E-448D-201A-2A208B8653BB}"/>
               </a:ext>
             </a:extLst>
           </p:cNvPr>
@@ -856,7 +856,7 @@
           <a:bodyPr/>
           <a:lstStyle/>
           <a:p>
-            <a:fld id="{74E880BC-8ECD-43BF-A39A-6DB258AB8EF0}" type="datetimeFigureOut">
+            <a:fld id="{FC6D6D5F-6909-4D18-8D91-C0B34F1A98AC}" type="datetimeFigureOut">
               <a:rPr lang="zh-CN" altLang="en-US" smtClean="0"/>
               <a:t>2024/3/10</a:t>
             </a:fld>
@@ -869,7 +869,7 @@
           <p:cNvPr id="5" name="页脚占位符 4">
             <a:extLst>
               <a:ext uri="{FF2B5EF4-FFF2-40B4-BE49-F238E27FC236}">
-                <a16:creationId xmlns:a16="http://schemas.microsoft.com/office/drawing/2014/main" id="{7316DA9E-42E3-0A5E-948D-44FD66D162AB}"/>
+                <a16:creationId xmlns:a16="http://schemas.microsoft.com/office/drawing/2014/main" id="{B34C5019-CE5E-F12A-545D-503283DABF8E}"/>
               </a:ext>
             </a:extLst>
           </p:cNvPr>
@@ -894,7 +894,7 @@
           <p:cNvPr id="6" name="灯片编号占位符 5">
             <a:extLst>
               <a:ext uri="{FF2B5EF4-FFF2-40B4-BE49-F238E27FC236}">
-                <a16:creationId xmlns:a16="http://schemas.microsoft.com/office/drawing/2014/main" id="{595D5AEA-C080-9472-291D-468018965314}"/>
+                <a16:creationId xmlns:a16="http://schemas.microsoft.com/office/drawing/2014/main" id="{427887D2-70F4-863D-3FDE-8CF7B0923083}"/>
               </a:ext>
             </a:extLst>
           </p:cNvPr>
@@ -910,7 +910,7 @@
           <a:bodyPr/>
           <a:lstStyle/>
           <a:p>
-            <a:fld id="{6EF3F77B-832D-4F7D-81EB-128DA762BE13}" type="slidenum">
+            <a:fld id="{0CBDF171-81CD-4F4A-A449-81EA7F5EAF30}" type="slidenum">
               <a:rPr lang="zh-CN" altLang="en-US" smtClean="0"/>
               <a:t>‹#›</a:t>
             </a:fld>
@@ -921,7 +921,7 @@
     </p:spTree>
     <p:extLst>
       <p:ext uri="{BB962C8B-B14F-4D97-AF65-F5344CB8AC3E}">
-        <p14:creationId xmlns:p14="http://schemas.microsoft.com/office/powerpoint/2010/main" val="1941535034"/>
+        <p14:creationId xmlns:p14="http://schemas.microsoft.com/office/powerpoint/2010/main" val="1904075139"/>
       </p:ext>
     </p:extLst>
   </p:cSld>
@@ -953,7 +953,7 @@
           <p:cNvPr id="2" name="标题 1">
             <a:extLst>
               <a:ext uri="{FF2B5EF4-FFF2-40B4-BE49-F238E27FC236}">
-                <a16:creationId xmlns:a16="http://schemas.microsoft.com/office/drawing/2014/main" id="{227BE5D7-D59F-916D-C873-D6B394656D73}"/>
+                <a16:creationId xmlns:a16="http://schemas.microsoft.com/office/drawing/2014/main" id="{5821AD66-7912-B46A-704F-6774FC109C04}"/>
               </a:ext>
             </a:extLst>
           </p:cNvPr>
@@ -990,7 +990,7 @@
           <p:cNvPr id="3" name="文本占位符 2">
             <a:extLst>
               <a:ext uri="{FF2B5EF4-FFF2-40B4-BE49-F238E27FC236}">
-                <a16:creationId xmlns:a16="http://schemas.microsoft.com/office/drawing/2014/main" id="{8BDB124E-2A0E-5219-6D91-158A7F440349}"/>
+                <a16:creationId xmlns:a16="http://schemas.microsoft.com/office/drawing/2014/main" id="{427F1AB8-EB6C-385E-5732-3C310E1B7BE1}"/>
               </a:ext>
             </a:extLst>
           </p:cNvPr>
@@ -1115,7 +1115,7 @@
           <p:cNvPr id="4" name="日期占位符 3">
             <a:extLst>
               <a:ext uri="{FF2B5EF4-FFF2-40B4-BE49-F238E27FC236}">
-                <a16:creationId xmlns:a16="http://schemas.microsoft.com/office/drawing/2014/main" id="{B67690C9-F4D3-CC85-1524-18523BA2FA6E}"/>
+                <a16:creationId xmlns:a16="http://schemas.microsoft.com/office/drawing/2014/main" id="{59ED501A-EF16-E275-6C87-3977F6814758}"/>
               </a:ext>
             </a:extLst>
           </p:cNvPr>
@@ -1131,7 +1131,7 @@
           <a:bodyPr/>
           <a:lstStyle/>
           <a:p>
-            <a:fld id="{74E880BC-8ECD-43BF-A39A-6DB258AB8EF0}" type="datetimeFigureOut">
+            <a:fld id="{FC6D6D5F-6909-4D18-8D91-C0B34F1A98AC}" type="datetimeFigureOut">
               <a:rPr lang="zh-CN" altLang="en-US" smtClean="0"/>
               <a:t>2024/3/10</a:t>
             </a:fld>
@@ -1144,7 +1144,7 @@
           <p:cNvPr id="5" name="页脚占位符 4">
             <a:extLst>
               <a:ext uri="{FF2B5EF4-FFF2-40B4-BE49-F238E27FC236}">
-                <a16:creationId xmlns:a16="http://schemas.microsoft.com/office/drawing/2014/main" id="{D40E90ED-85C2-172F-4B5C-24095777E0BC}"/>
+                <a16:creationId xmlns:a16="http://schemas.microsoft.com/office/drawing/2014/main" id="{EB1285A0-42A8-B0BD-C651-A47CD96DFF81}"/>
               </a:ext>
             </a:extLst>
           </p:cNvPr>
@@ -1169,7 +1169,7 @@
           <p:cNvPr id="6" name="灯片编号占位符 5">
             <a:extLst>
               <a:ext uri="{FF2B5EF4-FFF2-40B4-BE49-F238E27FC236}">
-                <a16:creationId xmlns:a16="http://schemas.microsoft.com/office/drawing/2014/main" id="{ECBFB6F9-E610-4B87-B628-6D7611B1EE9B}"/>
+                <a16:creationId xmlns:a16="http://schemas.microsoft.com/office/drawing/2014/main" id="{FB6C592F-2F4C-94C4-DAE0-EFFA3D10FF8B}"/>
               </a:ext>
             </a:extLst>
           </p:cNvPr>
@@ -1185,7 +1185,7 @@
           <a:bodyPr/>
           <a:lstStyle/>
           <a:p>
-            <a:fld id="{6EF3F77B-832D-4F7D-81EB-128DA762BE13}" type="slidenum">
+            <a:fld id="{0CBDF171-81CD-4F4A-A449-81EA7F5EAF30}" type="slidenum">
               <a:rPr lang="zh-CN" altLang="en-US" smtClean="0"/>
               <a:t>‹#›</a:t>
             </a:fld>
@@ -1196,7 +1196,7 @@
     </p:spTree>
     <p:extLst>
       <p:ext uri="{BB962C8B-B14F-4D97-AF65-F5344CB8AC3E}">
-        <p14:creationId xmlns:p14="http://schemas.microsoft.com/office/powerpoint/2010/main" val="3202041200"/>
+        <p14:creationId xmlns:p14="http://schemas.microsoft.com/office/powerpoint/2010/main" val="786562723"/>
       </p:ext>
     </p:extLst>
   </p:cSld>
@@ -1228,7 +1228,7 @@
           <p:cNvPr id="2" name="标题 1">
             <a:extLst>
               <a:ext uri="{FF2B5EF4-FFF2-40B4-BE49-F238E27FC236}">
-                <a16:creationId xmlns:a16="http://schemas.microsoft.com/office/drawing/2014/main" id="{829A227B-57F8-47DD-7032-384649C63BD3}"/>
+                <a16:creationId xmlns:a16="http://schemas.microsoft.com/office/drawing/2014/main" id="{544BFB83-9924-F35C-A3F1-3348334CB206}"/>
               </a:ext>
             </a:extLst>
           </p:cNvPr>
@@ -1256,7 +1256,7 @@
           <p:cNvPr id="3" name="内容占位符 2">
             <a:extLst>
               <a:ext uri="{FF2B5EF4-FFF2-40B4-BE49-F238E27FC236}">
-                <a16:creationId xmlns:a16="http://schemas.microsoft.com/office/drawing/2014/main" id="{AB5B7686-8008-0639-1864-C705167067DC}"/>
+                <a16:creationId xmlns:a16="http://schemas.microsoft.com/office/drawing/2014/main" id="{396ECE4F-BE8F-0A74-A634-B4CAF2805ADD}"/>
               </a:ext>
             </a:extLst>
           </p:cNvPr>
@@ -1318,7 +1318,7 @@
           <p:cNvPr id="4" name="内容占位符 3">
             <a:extLst>
               <a:ext uri="{FF2B5EF4-FFF2-40B4-BE49-F238E27FC236}">
-                <a16:creationId xmlns:a16="http://schemas.microsoft.com/office/drawing/2014/main" id="{7F0B501F-C899-D4BB-EA49-F62D14565BE2}"/>
+                <a16:creationId xmlns:a16="http://schemas.microsoft.com/office/drawing/2014/main" id="{C5D1B147-D82B-5A88-343A-3D1820CE2A7C}"/>
               </a:ext>
             </a:extLst>
           </p:cNvPr>
@@ -1380,7 +1380,7 @@
           <p:cNvPr id="5" name="日期占位符 4">
             <a:extLst>
               <a:ext uri="{FF2B5EF4-FFF2-40B4-BE49-F238E27FC236}">
-                <a16:creationId xmlns:a16="http://schemas.microsoft.com/office/drawing/2014/main" id="{3CB8D50B-76E9-9214-3D8F-FC10A6F295D9}"/>
+                <a16:creationId xmlns:a16="http://schemas.microsoft.com/office/drawing/2014/main" id="{455F51AB-9E2E-3250-521C-DBB4C7888695}"/>
               </a:ext>
             </a:extLst>
           </p:cNvPr>
@@ -1396,7 +1396,7 @@
           <a:bodyPr/>
           <a:lstStyle/>
           <a:p>
-            <a:fld id="{74E880BC-8ECD-43BF-A39A-6DB258AB8EF0}" type="datetimeFigureOut">
+            <a:fld id="{FC6D6D5F-6909-4D18-8D91-C0B34F1A98AC}" type="datetimeFigureOut">
               <a:rPr lang="zh-CN" altLang="en-US" smtClean="0"/>
               <a:t>2024/3/10</a:t>
             </a:fld>
@@ -1409,7 +1409,7 @@
           <p:cNvPr id="6" name="页脚占位符 5">
             <a:extLst>
               <a:ext uri="{FF2B5EF4-FFF2-40B4-BE49-F238E27FC236}">
-                <a16:creationId xmlns:a16="http://schemas.microsoft.com/office/drawing/2014/main" id="{9F0265CD-49AF-F590-33BB-8532A737C570}"/>
+                <a16:creationId xmlns:a16="http://schemas.microsoft.com/office/drawing/2014/main" id="{4652DC47-4922-0956-8F33-E08CE32EEBD3}"/>
               </a:ext>
             </a:extLst>
           </p:cNvPr>
@@ -1434,7 +1434,7 @@
           <p:cNvPr id="7" name="灯片编号占位符 6">
             <a:extLst>
               <a:ext uri="{FF2B5EF4-FFF2-40B4-BE49-F238E27FC236}">
-                <a16:creationId xmlns:a16="http://schemas.microsoft.com/office/drawing/2014/main" id="{D6EBCF38-36AF-F4C8-0F75-4E84A52D32EC}"/>
+                <a16:creationId xmlns:a16="http://schemas.microsoft.com/office/drawing/2014/main" id="{3BEC3625-D502-26CC-5896-7468EA2AFCC6}"/>
               </a:ext>
             </a:extLst>
           </p:cNvPr>
@@ -1450,7 +1450,7 @@
           <a:bodyPr/>
           <a:lstStyle/>
           <a:p>
-            <a:fld id="{6EF3F77B-832D-4F7D-81EB-128DA762BE13}" type="slidenum">
+            <a:fld id="{0CBDF171-81CD-4F4A-A449-81EA7F5EAF30}" type="slidenum">
               <a:rPr lang="zh-CN" altLang="en-US" smtClean="0"/>
               <a:t>‹#›</a:t>
             </a:fld>
@@ -1461,7 +1461,7 @@
     </p:spTree>
     <p:extLst>
       <p:ext uri="{BB962C8B-B14F-4D97-AF65-F5344CB8AC3E}">
-        <p14:creationId xmlns:p14="http://schemas.microsoft.com/office/powerpoint/2010/main" val="3786144148"/>
+        <p14:creationId xmlns:p14="http://schemas.microsoft.com/office/powerpoint/2010/main" val="1316572487"/>
       </p:ext>
     </p:extLst>
   </p:cSld>
@@ -1493,7 +1493,7 @@
           <p:cNvPr id="2" name="标题 1">
             <a:extLst>
               <a:ext uri="{FF2B5EF4-FFF2-40B4-BE49-F238E27FC236}">
-                <a16:creationId xmlns:a16="http://schemas.microsoft.com/office/drawing/2014/main" id="{42FF1585-DC90-9A6B-3809-E466260E020A}"/>
+                <a16:creationId xmlns:a16="http://schemas.microsoft.com/office/drawing/2014/main" id="{D1D6CF87-29F8-D842-AF51-F766A0E88AF8}"/>
               </a:ext>
             </a:extLst>
           </p:cNvPr>
@@ -1526,7 +1526,7 @@
           <p:cNvPr id="3" name="文本占位符 2">
             <a:extLst>
               <a:ext uri="{FF2B5EF4-FFF2-40B4-BE49-F238E27FC236}">
-                <a16:creationId xmlns:a16="http://schemas.microsoft.com/office/drawing/2014/main" id="{24B125FB-214C-8702-795E-8C71E707B0C2}"/>
+                <a16:creationId xmlns:a16="http://schemas.microsoft.com/office/drawing/2014/main" id="{E40D8CDA-40D9-DD38-1176-93EDB34D083A}"/>
               </a:ext>
             </a:extLst>
           </p:cNvPr>
@@ -1597,7 +1597,7 @@
           <p:cNvPr id="4" name="内容占位符 3">
             <a:extLst>
               <a:ext uri="{FF2B5EF4-FFF2-40B4-BE49-F238E27FC236}">
-                <a16:creationId xmlns:a16="http://schemas.microsoft.com/office/drawing/2014/main" id="{81A13DB9-BE6B-D239-B47D-4BC7D585CEF3}"/>
+                <a16:creationId xmlns:a16="http://schemas.microsoft.com/office/drawing/2014/main" id="{6E8B395E-B85B-89FE-8A6B-0560D2E94B03}"/>
               </a:ext>
             </a:extLst>
           </p:cNvPr>
@@ -1659,7 +1659,7 @@
           <p:cNvPr id="5" name="文本占位符 4">
             <a:extLst>
               <a:ext uri="{FF2B5EF4-FFF2-40B4-BE49-F238E27FC236}">
-                <a16:creationId xmlns:a16="http://schemas.microsoft.com/office/drawing/2014/main" id="{5DEF6D7C-7027-CC83-8145-86F9FE89DC07}"/>
+                <a16:creationId xmlns:a16="http://schemas.microsoft.com/office/drawing/2014/main" id="{A0AB1DC0-580F-FDCB-5A7F-8ACC7E19578E}"/>
               </a:ext>
             </a:extLst>
           </p:cNvPr>
@@ -1730,7 +1730,7 @@
           <p:cNvPr id="6" name="内容占位符 5">
             <a:extLst>
               <a:ext uri="{FF2B5EF4-FFF2-40B4-BE49-F238E27FC236}">
-                <a16:creationId xmlns:a16="http://schemas.microsoft.com/office/drawing/2014/main" id="{F415E844-B3C7-C302-D5EC-2FF7C4F77C7B}"/>
+                <a16:creationId xmlns:a16="http://schemas.microsoft.com/office/drawing/2014/main" id="{1358BC72-5E2C-9132-D970-0C510DDB8B1B}"/>
               </a:ext>
             </a:extLst>
           </p:cNvPr>
@@ -1792,7 +1792,7 @@
           <p:cNvPr id="7" name="日期占位符 6">
             <a:extLst>
               <a:ext uri="{FF2B5EF4-FFF2-40B4-BE49-F238E27FC236}">
-                <a16:creationId xmlns:a16="http://schemas.microsoft.com/office/drawing/2014/main" id="{B26AD28A-18E8-19E8-739C-96BEA76450E8}"/>
+                <a16:creationId xmlns:a16="http://schemas.microsoft.com/office/drawing/2014/main" id="{487AB3B1-14F1-17CC-C898-79E5D40D3440}"/>
               </a:ext>
             </a:extLst>
           </p:cNvPr>
@@ -1808,7 +1808,7 @@
           <a:bodyPr/>
           <a:lstStyle/>
           <a:p>
-            <a:fld id="{74E880BC-8ECD-43BF-A39A-6DB258AB8EF0}" type="datetimeFigureOut">
+            <a:fld id="{FC6D6D5F-6909-4D18-8D91-C0B34F1A98AC}" type="datetimeFigureOut">
               <a:rPr lang="zh-CN" altLang="en-US" smtClean="0"/>
               <a:t>2024/3/10</a:t>
             </a:fld>
@@ -1821,7 +1821,7 @@
           <p:cNvPr id="8" name="页脚占位符 7">
             <a:extLst>
               <a:ext uri="{FF2B5EF4-FFF2-40B4-BE49-F238E27FC236}">
-                <a16:creationId xmlns:a16="http://schemas.microsoft.com/office/drawing/2014/main" id="{CC6DEE21-50C2-E4C0-A2DA-F1691E554B7E}"/>
+                <a16:creationId xmlns:a16="http://schemas.microsoft.com/office/drawing/2014/main" id="{C6F151C3-4F5D-4E2E-BFA0-412DC43327BD}"/>
               </a:ext>
             </a:extLst>
           </p:cNvPr>
@@ -1846,7 +1846,7 @@
           <p:cNvPr id="9" name="灯片编号占位符 8">
             <a:extLst>
               <a:ext uri="{FF2B5EF4-FFF2-40B4-BE49-F238E27FC236}">
-                <a16:creationId xmlns:a16="http://schemas.microsoft.com/office/drawing/2014/main" id="{744E2223-6224-141C-171B-5135030C3BF2}"/>
+                <a16:creationId xmlns:a16="http://schemas.microsoft.com/office/drawing/2014/main" id="{75A9943E-0FAE-2772-54E5-B52117F5B690}"/>
               </a:ext>
             </a:extLst>
           </p:cNvPr>
@@ -1862,7 +1862,7 @@
           <a:bodyPr/>
           <a:lstStyle/>
           <a:p>
-            <a:fld id="{6EF3F77B-832D-4F7D-81EB-128DA762BE13}" type="slidenum">
+            <a:fld id="{0CBDF171-81CD-4F4A-A449-81EA7F5EAF30}" type="slidenum">
               <a:rPr lang="zh-CN" altLang="en-US" smtClean="0"/>
               <a:t>‹#›</a:t>
             </a:fld>
@@ -1873,7 +1873,7 @@
     </p:spTree>
     <p:extLst>
       <p:ext uri="{BB962C8B-B14F-4D97-AF65-F5344CB8AC3E}">
-        <p14:creationId xmlns:p14="http://schemas.microsoft.com/office/powerpoint/2010/main" val="562134769"/>
+        <p14:creationId xmlns:p14="http://schemas.microsoft.com/office/powerpoint/2010/main" val="3812321985"/>
       </p:ext>
     </p:extLst>
   </p:cSld>
@@ -1905,7 +1905,7 @@
           <p:cNvPr id="2" name="标题 1">
             <a:extLst>
               <a:ext uri="{FF2B5EF4-FFF2-40B4-BE49-F238E27FC236}">
-                <a16:creationId xmlns:a16="http://schemas.microsoft.com/office/drawing/2014/main" id="{FC281356-368F-7176-C811-B39DCBDC147F}"/>
+                <a16:creationId xmlns:a16="http://schemas.microsoft.com/office/drawing/2014/main" id="{5B2BB6F3-391E-AD1B-3E65-FC6A3E86C747}"/>
               </a:ext>
             </a:extLst>
           </p:cNvPr>
@@ -1933,7 +1933,7 @@
           <p:cNvPr id="3" name="日期占位符 2">
             <a:extLst>
               <a:ext uri="{FF2B5EF4-FFF2-40B4-BE49-F238E27FC236}">
-                <a16:creationId xmlns:a16="http://schemas.microsoft.com/office/drawing/2014/main" id="{D0A3F151-E88F-13CC-57BC-7A3955D2A292}"/>
+                <a16:creationId xmlns:a16="http://schemas.microsoft.com/office/drawing/2014/main" id="{34C886C1-7771-CD2A-AE82-568BEF7B12A9}"/>
               </a:ext>
             </a:extLst>
           </p:cNvPr>
@@ -1949,7 +1949,7 @@
           <a:bodyPr/>
           <a:lstStyle/>
           <a:p>
-            <a:fld id="{74E880BC-8ECD-43BF-A39A-6DB258AB8EF0}" type="datetimeFigureOut">
+            <a:fld id="{FC6D6D5F-6909-4D18-8D91-C0B34F1A98AC}" type="datetimeFigureOut">
               <a:rPr lang="zh-CN" altLang="en-US" smtClean="0"/>
               <a:t>2024/3/10</a:t>
             </a:fld>
@@ -1962,7 +1962,7 @@
           <p:cNvPr id="4" name="页脚占位符 3">
             <a:extLst>
               <a:ext uri="{FF2B5EF4-FFF2-40B4-BE49-F238E27FC236}">
-                <a16:creationId xmlns:a16="http://schemas.microsoft.com/office/drawing/2014/main" id="{2DAEEBF0-23D1-D74A-7607-CD10B97EBD20}"/>
+                <a16:creationId xmlns:a16="http://schemas.microsoft.com/office/drawing/2014/main" id="{FA07AE93-3C52-4C0D-3954-3245B665C228}"/>
               </a:ext>
             </a:extLst>
           </p:cNvPr>
@@ -1987,7 +1987,7 @@
           <p:cNvPr id="5" name="灯片编号占位符 4">
             <a:extLst>
               <a:ext uri="{FF2B5EF4-FFF2-40B4-BE49-F238E27FC236}">
-                <a16:creationId xmlns:a16="http://schemas.microsoft.com/office/drawing/2014/main" id="{B9EEFD7E-B139-6D80-4368-E05EB0CCC8DC}"/>
+                <a16:creationId xmlns:a16="http://schemas.microsoft.com/office/drawing/2014/main" id="{845935B8-C289-AAAD-5DBB-6ACB5840183E}"/>
               </a:ext>
             </a:extLst>
           </p:cNvPr>
@@ -2003,7 +2003,7 @@
           <a:bodyPr/>
           <a:lstStyle/>
           <a:p>
-            <a:fld id="{6EF3F77B-832D-4F7D-81EB-128DA762BE13}" type="slidenum">
+            <a:fld id="{0CBDF171-81CD-4F4A-A449-81EA7F5EAF30}" type="slidenum">
               <a:rPr lang="zh-CN" altLang="en-US" smtClean="0"/>
               <a:t>‹#›</a:t>
             </a:fld>
@@ -2014,7 +2014,7 @@
     </p:spTree>
     <p:extLst>
       <p:ext uri="{BB962C8B-B14F-4D97-AF65-F5344CB8AC3E}">
-        <p14:creationId xmlns:p14="http://schemas.microsoft.com/office/powerpoint/2010/main" val="4232378080"/>
+        <p14:creationId xmlns:p14="http://schemas.microsoft.com/office/powerpoint/2010/main" val="2261168024"/>
       </p:ext>
     </p:extLst>
   </p:cSld>
@@ -2046,7 +2046,7 @@
           <p:cNvPr id="2" name="日期占位符 1">
             <a:extLst>
               <a:ext uri="{FF2B5EF4-FFF2-40B4-BE49-F238E27FC236}">
-                <a16:creationId xmlns:a16="http://schemas.microsoft.com/office/drawing/2014/main" id="{416E22F5-8DE9-695D-3EA3-B7E2B8811AE7}"/>
+                <a16:creationId xmlns:a16="http://schemas.microsoft.com/office/drawing/2014/main" id="{15959CC9-A8AE-3B67-90D3-3EF047B4B2C1}"/>
               </a:ext>
             </a:extLst>
           </p:cNvPr>
@@ -2062,7 +2062,7 @@
           <a:bodyPr/>
           <a:lstStyle/>
           <a:p>
-            <a:fld id="{74E880BC-8ECD-43BF-A39A-6DB258AB8EF0}" type="datetimeFigureOut">
+            <a:fld id="{FC6D6D5F-6909-4D18-8D91-C0B34F1A98AC}" type="datetimeFigureOut">
               <a:rPr lang="zh-CN" altLang="en-US" smtClean="0"/>
               <a:t>2024/3/10</a:t>
             </a:fld>
@@ -2075,7 +2075,7 @@
           <p:cNvPr id="3" name="页脚占位符 2">
             <a:extLst>
               <a:ext uri="{FF2B5EF4-FFF2-40B4-BE49-F238E27FC236}">
-                <a16:creationId xmlns:a16="http://schemas.microsoft.com/office/drawing/2014/main" id="{A9F2520B-AA09-9A5A-7F9E-5985816C1E88}"/>
+                <a16:creationId xmlns:a16="http://schemas.microsoft.com/office/drawing/2014/main" id="{78C9BFE4-4064-789F-324B-923ABFD4D159}"/>
               </a:ext>
             </a:extLst>
           </p:cNvPr>
@@ -2100,7 +2100,7 @@
           <p:cNvPr id="4" name="灯片编号占位符 3">
             <a:extLst>
               <a:ext uri="{FF2B5EF4-FFF2-40B4-BE49-F238E27FC236}">
-                <a16:creationId xmlns:a16="http://schemas.microsoft.com/office/drawing/2014/main" id="{95CCEA0E-C639-2217-9E94-7C0C32073CF5}"/>
+                <a16:creationId xmlns:a16="http://schemas.microsoft.com/office/drawing/2014/main" id="{FFD5269B-C9A1-9ECD-8B34-88D542D88DB0}"/>
               </a:ext>
             </a:extLst>
           </p:cNvPr>
@@ -2116,7 +2116,7 @@
           <a:bodyPr/>
           <a:lstStyle/>
           <a:p>
-            <a:fld id="{6EF3F77B-832D-4F7D-81EB-128DA762BE13}" type="slidenum">
+            <a:fld id="{0CBDF171-81CD-4F4A-A449-81EA7F5EAF30}" type="slidenum">
               <a:rPr lang="zh-CN" altLang="en-US" smtClean="0"/>
               <a:t>‹#›</a:t>
             </a:fld>
@@ -2127,7 +2127,7 @@
     </p:spTree>
     <p:extLst>
       <p:ext uri="{BB962C8B-B14F-4D97-AF65-F5344CB8AC3E}">
-        <p14:creationId xmlns:p14="http://schemas.microsoft.com/office/powerpoint/2010/main" val="441689257"/>
+        <p14:creationId xmlns:p14="http://schemas.microsoft.com/office/powerpoint/2010/main" val="1299961074"/>
       </p:ext>
     </p:extLst>
   </p:cSld>
@@ -2159,7 +2159,7 @@
           <p:cNvPr id="2" name="标题 1">
             <a:extLst>
               <a:ext uri="{FF2B5EF4-FFF2-40B4-BE49-F238E27FC236}">
-                <a16:creationId xmlns:a16="http://schemas.microsoft.com/office/drawing/2014/main" id="{E1611E02-DAB3-BF40-57F4-635653C0D573}"/>
+                <a16:creationId xmlns:a16="http://schemas.microsoft.com/office/drawing/2014/main" id="{D152835E-4D4E-045A-86E2-84361E32E6CF}"/>
               </a:ext>
             </a:extLst>
           </p:cNvPr>
@@ -2196,7 +2196,7 @@
           <p:cNvPr id="3" name="内容占位符 2">
             <a:extLst>
               <a:ext uri="{FF2B5EF4-FFF2-40B4-BE49-F238E27FC236}">
-                <a16:creationId xmlns:a16="http://schemas.microsoft.com/office/drawing/2014/main" id="{BE57E2D3-01DF-F1C9-6B13-21CB4D43B842}"/>
+                <a16:creationId xmlns:a16="http://schemas.microsoft.com/office/drawing/2014/main" id="{49444118-6D9C-4F69-0490-FC7CC26887B8}"/>
               </a:ext>
             </a:extLst>
           </p:cNvPr>
@@ -2286,7 +2286,7 @@
           <p:cNvPr id="4" name="文本占位符 3">
             <a:extLst>
               <a:ext uri="{FF2B5EF4-FFF2-40B4-BE49-F238E27FC236}">
-                <a16:creationId xmlns:a16="http://schemas.microsoft.com/office/drawing/2014/main" id="{CC13138E-BB20-E503-6EA6-215632930B92}"/>
+                <a16:creationId xmlns:a16="http://schemas.microsoft.com/office/drawing/2014/main" id="{2DAFF402-1E23-6A96-1A78-F885627EF4A3}"/>
               </a:ext>
             </a:extLst>
           </p:cNvPr>
@@ -2357,7 +2357,7 @@
           <p:cNvPr id="5" name="日期占位符 4">
             <a:extLst>
               <a:ext uri="{FF2B5EF4-FFF2-40B4-BE49-F238E27FC236}">
-                <a16:creationId xmlns:a16="http://schemas.microsoft.com/office/drawing/2014/main" id="{3AA492E8-BBB0-EDC5-80BC-1173F402DFB1}"/>
+                <a16:creationId xmlns:a16="http://schemas.microsoft.com/office/drawing/2014/main" id="{6F6D480A-59A1-A5B2-E4A7-951C9BBCF822}"/>
               </a:ext>
             </a:extLst>
           </p:cNvPr>
@@ -2373,7 +2373,7 @@
           <a:bodyPr/>
           <a:lstStyle/>
           <a:p>
-            <a:fld id="{74E880BC-8ECD-43BF-A39A-6DB258AB8EF0}" type="datetimeFigureOut">
+            <a:fld id="{FC6D6D5F-6909-4D18-8D91-C0B34F1A98AC}" type="datetimeFigureOut">
               <a:rPr lang="zh-CN" altLang="en-US" smtClean="0"/>
               <a:t>2024/3/10</a:t>
             </a:fld>
@@ -2386,7 +2386,7 @@
           <p:cNvPr id="6" name="页脚占位符 5">
             <a:extLst>
               <a:ext uri="{FF2B5EF4-FFF2-40B4-BE49-F238E27FC236}">
-                <a16:creationId xmlns:a16="http://schemas.microsoft.com/office/drawing/2014/main" id="{7A5B1A8A-1C4D-0EBD-B4AE-B7BF024C7D64}"/>
+                <a16:creationId xmlns:a16="http://schemas.microsoft.com/office/drawing/2014/main" id="{0BF65F08-F021-301E-279E-FB95A66D9C21}"/>
               </a:ext>
             </a:extLst>
           </p:cNvPr>
@@ -2411,7 +2411,7 @@
           <p:cNvPr id="7" name="灯片编号占位符 6">
             <a:extLst>
               <a:ext uri="{FF2B5EF4-FFF2-40B4-BE49-F238E27FC236}">
-                <a16:creationId xmlns:a16="http://schemas.microsoft.com/office/drawing/2014/main" id="{77E7C777-A76C-1774-2C83-BB2A327806AF}"/>
+                <a16:creationId xmlns:a16="http://schemas.microsoft.com/office/drawing/2014/main" id="{B617849E-C810-E575-BAF9-55A9D47C3C09}"/>
               </a:ext>
             </a:extLst>
           </p:cNvPr>
@@ -2427,7 +2427,7 @@
           <a:bodyPr/>
           <a:lstStyle/>
           <a:p>
-            <a:fld id="{6EF3F77B-832D-4F7D-81EB-128DA762BE13}" type="slidenum">
+            <a:fld id="{0CBDF171-81CD-4F4A-A449-81EA7F5EAF30}" type="slidenum">
               <a:rPr lang="zh-CN" altLang="en-US" smtClean="0"/>
               <a:t>‹#›</a:t>
             </a:fld>
@@ -2438,7 +2438,7 @@
     </p:spTree>
     <p:extLst>
       <p:ext uri="{BB962C8B-B14F-4D97-AF65-F5344CB8AC3E}">
-        <p14:creationId xmlns:p14="http://schemas.microsoft.com/office/powerpoint/2010/main" val="3577458982"/>
+        <p14:creationId xmlns:p14="http://schemas.microsoft.com/office/powerpoint/2010/main" val="3703963537"/>
       </p:ext>
     </p:extLst>
   </p:cSld>
@@ -2470,7 +2470,7 @@
           <p:cNvPr id="2" name="标题 1">
             <a:extLst>
               <a:ext uri="{FF2B5EF4-FFF2-40B4-BE49-F238E27FC236}">
-                <a16:creationId xmlns:a16="http://schemas.microsoft.com/office/drawing/2014/main" id="{6B38BB7D-608F-EA46-4C2D-6AB825A557BC}"/>
+                <a16:creationId xmlns:a16="http://schemas.microsoft.com/office/drawing/2014/main" id="{B36AC72F-97F9-7543-0406-911A258A33E8}"/>
               </a:ext>
             </a:extLst>
           </p:cNvPr>
@@ -2507,7 +2507,7 @@
           <p:cNvPr id="3" name="图片占位符 2">
             <a:extLst>
               <a:ext uri="{FF2B5EF4-FFF2-40B4-BE49-F238E27FC236}">
-                <a16:creationId xmlns:a16="http://schemas.microsoft.com/office/drawing/2014/main" id="{A74758C3-6BBD-303E-262F-0FF141F57D43}"/>
+                <a16:creationId xmlns:a16="http://schemas.microsoft.com/office/drawing/2014/main" id="{C04D1810-3DB2-ED8F-EBA4-A6F960230D94}"/>
               </a:ext>
             </a:extLst>
           </p:cNvPr>
@@ -2574,7 +2574,7 @@
           <p:cNvPr id="4" name="文本占位符 3">
             <a:extLst>
               <a:ext uri="{FF2B5EF4-FFF2-40B4-BE49-F238E27FC236}">
-                <a16:creationId xmlns:a16="http://schemas.microsoft.com/office/drawing/2014/main" id="{AB8ED3A8-1142-DD4E-87F6-F622A8349962}"/>
+                <a16:creationId xmlns:a16="http://schemas.microsoft.com/office/drawing/2014/main" id="{A5BC8CD3-1DBB-7986-ABFD-26665429B3B0}"/>
               </a:ext>
             </a:extLst>
           </p:cNvPr>
@@ -2645,7 +2645,7 @@
           <p:cNvPr id="5" name="日期占位符 4">
             <a:extLst>
               <a:ext uri="{FF2B5EF4-FFF2-40B4-BE49-F238E27FC236}">
-                <a16:creationId xmlns:a16="http://schemas.microsoft.com/office/drawing/2014/main" id="{90C683E2-F3F3-380A-BFF7-9FE0692E657C}"/>
+                <a16:creationId xmlns:a16="http://schemas.microsoft.com/office/drawing/2014/main" id="{849C0835-31F5-799F-6DCF-BDCDB33A0C62}"/>
               </a:ext>
             </a:extLst>
           </p:cNvPr>
@@ -2661,7 +2661,7 @@
           <a:bodyPr/>
           <a:lstStyle/>
           <a:p>
-            <a:fld id="{74E880BC-8ECD-43BF-A39A-6DB258AB8EF0}" type="datetimeFigureOut">
+            <a:fld id="{FC6D6D5F-6909-4D18-8D91-C0B34F1A98AC}" type="datetimeFigureOut">
               <a:rPr lang="zh-CN" altLang="en-US" smtClean="0"/>
               <a:t>2024/3/10</a:t>
             </a:fld>
@@ -2674,7 +2674,7 @@
           <p:cNvPr id="6" name="页脚占位符 5">
             <a:extLst>
               <a:ext uri="{FF2B5EF4-FFF2-40B4-BE49-F238E27FC236}">
-                <a16:creationId xmlns:a16="http://schemas.microsoft.com/office/drawing/2014/main" id="{91C13290-8B97-04C2-34E2-86A368E320F5}"/>
+                <a16:creationId xmlns:a16="http://schemas.microsoft.com/office/drawing/2014/main" id="{DBDDFD4F-DCAC-372D-1513-039C3CE60DD1}"/>
               </a:ext>
             </a:extLst>
           </p:cNvPr>
@@ -2699,7 +2699,7 @@
           <p:cNvPr id="7" name="灯片编号占位符 6">
             <a:extLst>
               <a:ext uri="{FF2B5EF4-FFF2-40B4-BE49-F238E27FC236}">
-                <a16:creationId xmlns:a16="http://schemas.microsoft.com/office/drawing/2014/main" id="{553A2B79-988B-A17E-D084-4ED0DC4FA6D7}"/>
+                <a16:creationId xmlns:a16="http://schemas.microsoft.com/office/drawing/2014/main" id="{6D8EC3D5-738C-573F-0326-E376DB105AAE}"/>
               </a:ext>
             </a:extLst>
           </p:cNvPr>
@@ -2715,7 +2715,7 @@
           <a:bodyPr/>
           <a:lstStyle/>
           <a:p>
-            <a:fld id="{6EF3F77B-832D-4F7D-81EB-128DA762BE13}" type="slidenum">
+            <a:fld id="{0CBDF171-81CD-4F4A-A449-81EA7F5EAF30}" type="slidenum">
               <a:rPr lang="zh-CN" altLang="en-US" smtClean="0"/>
               <a:t>‹#›</a:t>
             </a:fld>
@@ -2726,7 +2726,7 @@
     </p:spTree>
     <p:extLst>
       <p:ext uri="{BB962C8B-B14F-4D97-AF65-F5344CB8AC3E}">
-        <p14:creationId xmlns:p14="http://schemas.microsoft.com/office/powerpoint/2010/main" val="1731267995"/>
+        <p14:creationId xmlns:p14="http://schemas.microsoft.com/office/powerpoint/2010/main" val="3683242972"/>
       </p:ext>
     </p:extLst>
   </p:cSld>
@@ -2763,7 +2763,7 @@
           <p:cNvPr id="2" name="标题占位符 1">
             <a:extLst>
               <a:ext uri="{FF2B5EF4-FFF2-40B4-BE49-F238E27FC236}">
-                <a16:creationId xmlns:a16="http://schemas.microsoft.com/office/drawing/2014/main" id="{A4FED3CB-F65F-1BD9-95F8-F93CAF64D3F6}"/>
+                <a16:creationId xmlns:a16="http://schemas.microsoft.com/office/drawing/2014/main" id="{C05644E1-B5C9-AC22-3AAD-A1066AE09EC1}"/>
               </a:ext>
             </a:extLst>
           </p:cNvPr>
@@ -2801,7 +2801,7 @@
           <p:cNvPr id="3" name="文本占位符 2">
             <a:extLst>
               <a:ext uri="{FF2B5EF4-FFF2-40B4-BE49-F238E27FC236}">
-                <a16:creationId xmlns:a16="http://schemas.microsoft.com/office/drawing/2014/main" id="{39537B89-7AC6-9431-BA2F-C432AEE50D00}"/>
+                <a16:creationId xmlns:a16="http://schemas.microsoft.com/office/drawing/2014/main" id="{3A263B3B-D15F-BC9D-C14E-7EC055652072}"/>
               </a:ext>
             </a:extLst>
           </p:cNvPr>
@@ -2868,7 +2868,7 @@
           <p:cNvPr id="4" name="日期占位符 3">
             <a:extLst>
               <a:ext uri="{FF2B5EF4-FFF2-40B4-BE49-F238E27FC236}">
-                <a16:creationId xmlns:a16="http://schemas.microsoft.com/office/drawing/2014/main" id="{01EE9FD5-E276-6699-6B19-2FC6BA363134}"/>
+                <a16:creationId xmlns:a16="http://schemas.microsoft.com/office/drawing/2014/main" id="{D7681F66-CB4D-4973-196F-351C965B311F}"/>
               </a:ext>
             </a:extLst>
           </p:cNvPr>
@@ -2902,7 +2902,7 @@
             </a:lvl1pPr>
           </a:lstStyle>
           <a:p>
-            <a:fld id="{74E880BC-8ECD-43BF-A39A-6DB258AB8EF0}" type="datetimeFigureOut">
+            <a:fld id="{FC6D6D5F-6909-4D18-8D91-C0B34F1A98AC}" type="datetimeFigureOut">
               <a:rPr lang="zh-CN" altLang="en-US" smtClean="0"/>
               <a:t>2024/3/10</a:t>
             </a:fld>
@@ -2915,7 +2915,7 @@
           <p:cNvPr id="5" name="页脚占位符 4">
             <a:extLst>
               <a:ext uri="{FF2B5EF4-FFF2-40B4-BE49-F238E27FC236}">
-                <a16:creationId xmlns:a16="http://schemas.microsoft.com/office/drawing/2014/main" id="{3406A057-5E81-FBE3-B8B5-0CA323BFBBCD}"/>
+                <a16:creationId xmlns:a16="http://schemas.microsoft.com/office/drawing/2014/main" id="{2E78B9AE-5D2C-D853-3F65-2C8D2C743E2F}"/>
               </a:ext>
             </a:extLst>
           </p:cNvPr>
@@ -2958,7 +2958,7 @@
           <p:cNvPr id="6" name="灯片编号占位符 5">
             <a:extLst>
               <a:ext uri="{FF2B5EF4-FFF2-40B4-BE49-F238E27FC236}">
-                <a16:creationId xmlns:a16="http://schemas.microsoft.com/office/drawing/2014/main" id="{3D50A726-8FEA-0B1C-8BBB-AD7E5C8FEF71}"/>
+                <a16:creationId xmlns:a16="http://schemas.microsoft.com/office/drawing/2014/main" id="{6951751D-2273-D472-1E36-6F5B42A9638D}"/>
               </a:ext>
             </a:extLst>
           </p:cNvPr>
@@ -2992,7 +2992,7 @@
             </a:lvl1pPr>
           </a:lstStyle>
           <a:p>
-            <a:fld id="{6EF3F77B-832D-4F7D-81EB-128DA762BE13}" type="slidenum">
+            <a:fld id="{0CBDF171-81CD-4F4A-A449-81EA7F5EAF30}" type="slidenum">
               <a:rPr lang="zh-CN" altLang="en-US" smtClean="0"/>
               <a:t>‹#›</a:t>
             </a:fld>
@@ -3003,7 +3003,7 @@
     </p:spTree>
     <p:extLst>
       <p:ext uri="{BB962C8B-B14F-4D97-AF65-F5344CB8AC3E}">
-        <p14:creationId xmlns:p14="http://schemas.microsoft.com/office/powerpoint/2010/main" val="258723921"/>
+        <p14:creationId xmlns:p14="http://schemas.microsoft.com/office/powerpoint/2010/main" val="1682354130"/>
       </p:ext>
     </p:extLst>
   </p:cSld>
